--- a/git/ppt/Desktop.pptx
+++ b/git/ppt/Desktop.pptx
@@ -5,7 +5,7 @@
     <p:sldMasterId id="2147483648" r:id="rId1"/>
   </p:sldMasterIdLst>
   <p:notesMasterIdLst>
-    <p:notesMasterId r:id="rId20"/>
+    <p:notesMasterId r:id="rId19"/>
   </p:notesMasterIdLst>
   <p:sldIdLst>
     <p:sldId id="261" r:id="rId2"/>
@@ -14,18 +14,17 @@
     <p:sldId id="269" r:id="rId5"/>
     <p:sldId id="271" r:id="rId6"/>
     <p:sldId id="272" r:id="rId7"/>
-    <p:sldId id="274" r:id="rId8"/>
-    <p:sldId id="275" r:id="rId9"/>
-    <p:sldId id="276" r:id="rId10"/>
-    <p:sldId id="280" r:id="rId11"/>
-    <p:sldId id="281" r:id="rId12"/>
-    <p:sldId id="285" r:id="rId13"/>
-    <p:sldId id="287" r:id="rId14"/>
-    <p:sldId id="288" r:id="rId15"/>
-    <p:sldId id="292" r:id="rId16"/>
-    <p:sldId id="293" r:id="rId17"/>
-    <p:sldId id="294" r:id="rId18"/>
-    <p:sldId id="295" r:id="rId19"/>
+    <p:sldId id="275" r:id="rId8"/>
+    <p:sldId id="276" r:id="rId9"/>
+    <p:sldId id="280" r:id="rId10"/>
+    <p:sldId id="281" r:id="rId11"/>
+    <p:sldId id="285" r:id="rId12"/>
+    <p:sldId id="287" r:id="rId13"/>
+    <p:sldId id="288" r:id="rId14"/>
+    <p:sldId id="292" r:id="rId15"/>
+    <p:sldId id="293" r:id="rId16"/>
+    <p:sldId id="294" r:id="rId17"/>
+    <p:sldId id="295" r:id="rId18"/>
   </p:sldIdLst>
   <p:sldSz cx="12192000" cy="6858000"/>
   <p:notesSz cx="6858000" cy="9144000"/>
@@ -228,7 +227,7 @@
           <a:p>
             <a:fld id="{656330A2-78FB-4DBA-9F87-F3CAA1EF5649}" type="datetimeFigureOut">
               <a:rPr lang="en-US" smtClean="0"/>
-              <a:t>11/23/2021</a:t>
+              <a:t>11/24/2021</a:t>
             </a:fld>
             <a:endParaRPr lang="en-US"/>
           </a:p>
@@ -530,7 +529,7 @@
           <a:p>
             <a:fld id="{7F221C2D-D537-4C31-81D4-DEFCF47D152F}" type="datetimeFigureOut">
               <a:rPr lang="zh-TW" altLang="en-US" smtClean="0"/>
-              <a:t>2021/11/23</a:t>
+              <a:t>2021/11/24</a:t>
             </a:fld>
             <a:endParaRPr lang="zh-TW" altLang="en-US"/>
           </a:p>
@@ -760,7 +759,7 @@
           <a:p>
             <a:fld id="{7F221C2D-D537-4C31-81D4-DEFCF47D152F}" type="datetimeFigureOut">
               <a:rPr lang="zh-TW" altLang="en-US" smtClean="0"/>
-              <a:t>2021/11/23</a:t>
+              <a:t>2021/11/24</a:t>
             </a:fld>
             <a:endParaRPr lang="zh-TW" altLang="en-US"/>
           </a:p>
@@ -896,7 +895,7 @@
           <a:p>
             <a:fld id="{7F221C2D-D537-4C31-81D4-DEFCF47D152F}" type="datetimeFigureOut">
               <a:rPr lang="zh-TW" altLang="en-US" smtClean="0"/>
-              <a:t>2021/11/23</a:t>
+              <a:t>2021/11/24</a:t>
             </a:fld>
             <a:endParaRPr lang="zh-TW" altLang="en-US"/>
           </a:p>
@@ -1147,7 +1146,7 @@
           <a:p>
             <a:fld id="{7F221C2D-D537-4C31-81D4-DEFCF47D152F}" type="datetimeFigureOut">
               <a:rPr lang="zh-TW" altLang="en-US" smtClean="0"/>
-              <a:t>2021/11/23</a:t>
+              <a:t>2021/11/24</a:t>
             </a:fld>
             <a:endParaRPr lang="zh-TW" altLang="en-US"/>
           </a:p>
@@ -1582,7 +1581,7 @@
           <a:p>
             <a:fld id="{7F221C2D-D537-4C31-81D4-DEFCF47D152F}" type="datetimeFigureOut">
               <a:rPr lang="zh-TW" altLang="en-US" smtClean="0"/>
-              <a:t>2021/11/23</a:t>
+              <a:t>2021/11/24</a:t>
             </a:fld>
             <a:endParaRPr lang="zh-TW" altLang="en-US"/>
           </a:p>
@@ -2162,7 +2161,7 @@
           <a:p>
             <a:fld id="{7F221C2D-D537-4C31-81D4-DEFCF47D152F}" type="datetimeFigureOut">
               <a:rPr lang="zh-TW" altLang="en-US" smtClean="0"/>
-              <a:t>2021/11/23</a:t>
+              <a:t>2021/11/24</a:t>
             </a:fld>
             <a:endParaRPr lang="zh-TW" altLang="en-US"/>
           </a:p>
@@ -2353,7 +2352,7 @@
           <a:p>
             <a:fld id="{7F221C2D-D537-4C31-81D4-DEFCF47D152F}" type="datetimeFigureOut">
               <a:rPr lang="zh-TW" altLang="en-US" smtClean="0"/>
-              <a:t>2021/11/23</a:t>
+              <a:t>2021/11/24</a:t>
             </a:fld>
             <a:endParaRPr lang="zh-TW" altLang="en-US"/>
           </a:p>
@@ -2737,7 +2736,7 @@
           <a:p>
             <a:fld id="{7F221C2D-D537-4C31-81D4-DEFCF47D152F}" type="datetimeFigureOut">
               <a:rPr lang="zh-TW" altLang="en-US" smtClean="0"/>
-              <a:t>2021/11/23</a:t>
+              <a:t>2021/11/24</a:t>
             </a:fld>
             <a:endParaRPr lang="zh-TW" altLang="en-US"/>
           </a:p>
@@ -3193,8 +3192,8 @@
         </p:blipFill>
         <p:spPr>
           <a:xfrm>
-            <a:off x="381000" y="508000"/>
-            <a:ext cx="8128000" cy="5842000"/>
+            <a:off x="508000" y="507999"/>
+            <a:ext cx="10837333" cy="5842000"/>
           </a:xfrm>
           <a:prstGeom prst="rect">
             <a:avLst/>
@@ -3394,221 +3393,6 @@
           <p:cNvPr id="3" name="圖片 2">
             <a:extLst>
               <a:ext uri="{FF2B5EF4-FFF2-40B4-BE49-F238E27FC236}">
-                <a16:creationId xmlns:a16="http://schemas.microsoft.com/office/drawing/2014/main" id="{BE6B3635-B63B-497A-A458-CA1046133110}"/>
-              </a:ext>
-            </a:extLst>
-          </p:cNvPr>
-          <p:cNvPicPr>
-            <a:picLocks/>
-          </p:cNvPicPr>
-          <p:nvPr/>
-        </p:nvPicPr>
-        <p:blipFill>
-          <a:blip r:embed="rId2">
-            <a:extLst>
-              <a:ext uri="{28A0092B-C50C-407E-A947-70E740481C1C}">
-                <a14:useLocalDpi xmlns:a14="http://schemas.microsoft.com/office/drawing/2010/main" val="0"/>
-              </a:ext>
-            </a:extLst>
-          </a:blip>
-          <a:stretch>
-            <a:fillRect/>
-          </a:stretch>
-        </p:blipFill>
-        <p:spPr>
-          <a:xfrm>
-            <a:off x="381000" y="508000"/>
-            <a:ext cx="8128000" cy="5842000"/>
-          </a:xfrm>
-          <a:prstGeom prst="rect">
-            <a:avLst/>
-          </a:prstGeom>
-        </p:spPr>
-      </p:pic>
-      <p:sp>
-        <p:nvSpPr>
-          <p:cNvPr id="2" name="橢圓 1">
-            <a:extLst>
-              <a:ext uri="{FF2B5EF4-FFF2-40B4-BE49-F238E27FC236}">
-                <a16:creationId xmlns:a16="http://schemas.microsoft.com/office/drawing/2014/main" id="{44CF7C96-63B3-4F81-8F3D-69F4DDC8DD2C}"/>
-              </a:ext>
-            </a:extLst>
-          </p:cNvPr>
-          <p:cNvSpPr/>
-          <p:nvPr/>
-        </p:nvSpPr>
-        <p:spPr>
-          <a:xfrm>
-            <a:off x="4705891" y="2677830"/>
-            <a:ext cx="381000" cy="381000"/>
-          </a:xfrm>
-          <a:prstGeom prst="ellipse">
-            <a:avLst/>
-          </a:prstGeom>
-          <a:solidFill>
-            <a:srgbClr val="9400D3">
-              <a:alpha val="30000"/>
-            </a:srgbClr>
-          </a:solidFill>
-          <a:ln w="25400" cmpd="sng">
-            <a:solidFill>
-              <a:srgbClr val="9400D3"/>
-            </a:solidFill>
-            <a:tailEnd type="triangle" w="med" len="med"/>
-          </a:ln>
-          <a:effectLst>
-            <a:outerShdw blurRad="63500" sx="102000" sy="102000" algn="ctr">
-              <a:prstClr val="black">
-                <a:alpha val="40000"/>
-              </a:prstClr>
-            </a:outerShdw>
-          </a:effectLst>
-        </p:spPr>
-        <p:style>
-          <a:lnRef idx="1">
-            <a:schemeClr val="accent1"/>
-          </a:lnRef>
-          <a:fillRef idx="0">
-            <a:schemeClr val="accent1"/>
-          </a:fillRef>
-          <a:effectRef idx="0">
-            <a:schemeClr val="accent1"/>
-          </a:effectRef>
-          <a:fontRef idx="minor">
-            <a:schemeClr val="tx1"/>
-          </a:fontRef>
-        </p:style>
-        <p:txBody>
-          <a:bodyPr rot="0" spcFirstLastPara="0" vertOverflow="overflow" horzOverflow="overflow" vert="horz" wrap="square" lIns="0" tIns="0" rIns="0" bIns="0" numCol="1" spcCol="0" rtlCol="0" fromWordArt="0" anchor="t" anchorCtr="0" forceAA="0" compatLnSpc="1">
-            <a:prstTxWarp prst="textNoShape">
-              <a:avLst/>
-            </a:prstTxWarp>
-            <a:noAutofit/>
-          </a:bodyPr>
-          <a:lstStyle/>
-          <a:p>
-            <a:pPr algn="l"/>
-            <a:r>
-              <a:rPr lang="en-US" altLang="zh-TW">
-                <a:solidFill>
-                  <a:srgbClr val="FFFFFF"/>
-                </a:solidFill>
-              </a:rPr>
-              <a:t>12</a:t>
-            </a:r>
-            <a:endParaRPr lang="zh-TW" altLang="en-US">
-              <a:solidFill>
-                <a:srgbClr val="FFFFFF"/>
-              </a:solidFill>
-            </a:endParaRPr>
-          </a:p>
-        </p:txBody>
-      </p:sp>
-      <p:sp>
-        <p:nvSpPr>
-          <p:cNvPr id="4" name="文字方塊 3">
-            <a:extLst>
-              <a:ext uri="{FF2B5EF4-FFF2-40B4-BE49-F238E27FC236}">
-                <a16:creationId xmlns:a16="http://schemas.microsoft.com/office/drawing/2014/main" id="{E8306BA8-90EE-4671-BB02-8B4F9099B865}"/>
-              </a:ext>
-            </a:extLst>
-          </p:cNvPr>
-          <p:cNvSpPr txBox="1"/>
-          <p:nvPr/>
-        </p:nvSpPr>
-        <p:spPr>
-          <a:xfrm>
-            <a:off x="4151784" y="3789040"/>
-            <a:ext cx="923330" cy="323165"/>
-          </a:xfrm>
-          <a:prstGeom prst="rect">
-            <a:avLst/>
-          </a:prstGeom>
-          <a:solidFill>
-            <a:srgbClr val="6495ED">
-              <a:alpha val="30000"/>
-            </a:srgbClr>
-          </a:solidFill>
-          <a:ln w="25400" cmpd="sng">
-            <a:solidFill>
-              <a:srgbClr val="6495ED"/>
-            </a:solidFill>
-            <a:tailEnd type="triangle" w="med" len="med"/>
-          </a:ln>
-          <a:effectLst>
-            <a:outerShdw blurRad="63500" sx="102000" sy="102000" algn="ctr">
-              <a:prstClr val="black">
-                <a:alpha val="40000"/>
-              </a:prstClr>
-            </a:outerShdw>
-          </a:effectLst>
-        </p:spPr>
-        <p:style>
-          <a:lnRef idx="1">
-            <a:schemeClr val="accent1"/>
-          </a:lnRef>
-          <a:fillRef idx="0">
-            <a:schemeClr val="accent1"/>
-          </a:fillRef>
-          <a:effectRef idx="0">
-            <a:schemeClr val="accent1"/>
-          </a:effectRef>
-          <a:fontRef idx="minor">
-            <a:schemeClr val="tx1"/>
-          </a:fontRef>
-        </p:style>
-        <p:txBody>
-          <a:bodyPr rot="0" spcFirstLastPara="0" vertOverflow="overflow" horzOverflow="overflow" vert="horz" wrap="none" lIns="0" tIns="0" rIns="0" bIns="45720" numCol="1" spcCol="0" rtlCol="0" fromWordArt="0" anchor="t" anchorCtr="0" forceAA="0" compatLnSpc="1">
-            <a:prstTxWarp prst="textNoShape">
-              <a:avLst/>
-            </a:prstTxWarp>
-            <a:spAutoFit/>
-          </a:bodyPr>
-          <a:lstStyle/>
-          <a:p>
-            <a:pPr algn="l"/>
-            <a:r>
-              <a:rPr lang="zh-TW" altLang="en-US"/>
-              <a:t>預設位置</a:t>
-            </a:r>
-          </a:p>
-        </p:txBody>
-      </p:sp>
-    </p:spTree>
-    <p:extLst>
-      <p:ext uri="{BB962C8B-B14F-4D97-AF65-F5344CB8AC3E}">
-        <p14:creationId xmlns:p14="http://schemas.microsoft.com/office/powerpoint/2010/main" val="2928043181"/>
-      </p:ext>
-    </p:extLst>
-  </p:cSld>
-  <p:clrMapOvr>
-    <a:masterClrMapping/>
-  </p:clrMapOvr>
-</p:sld>
-</file>
-
-<file path=ppt/slides/slide11.xml><?xml version="1.0" encoding="utf-8"?>
-<p:sld xmlns:a="http://schemas.openxmlformats.org/drawingml/2006/main" xmlns:r="http://schemas.openxmlformats.org/officeDocument/2006/relationships" xmlns:p="http://schemas.openxmlformats.org/presentationml/2006/main">
-  <p:cSld>
-    <p:spTree>
-      <p:nvGrpSpPr>
-        <p:cNvPr id="1" name=""/>
-        <p:cNvGrpSpPr/>
-        <p:nvPr/>
-      </p:nvGrpSpPr>
-      <p:grpSpPr>
-        <a:xfrm>
-          <a:off x="0" y="0"/>
-          <a:ext cx="0" cy="0"/>
-          <a:chOff x="0" y="0"/>
-          <a:chExt cx="0" cy="0"/>
-        </a:xfrm>
-      </p:grpSpPr>
-      <p:pic>
-        <p:nvPicPr>
-          <p:cNvPr id="3" name="圖片 2">
-            <a:extLst>
-              <a:ext uri="{FF2B5EF4-FFF2-40B4-BE49-F238E27FC236}">
                 <a16:creationId xmlns:a16="http://schemas.microsoft.com/office/drawing/2014/main" id="{6F1BE7AB-640E-4A87-9464-035F17EC2A9C}"/>
               </a:ext>
             </a:extLst>
@@ -3632,8 +3416,8 @@
         </p:blipFill>
         <p:spPr>
           <a:xfrm>
-            <a:off x="381000" y="508000"/>
-            <a:ext cx="8128000" cy="5842000"/>
+            <a:off x="508000" y="507999"/>
+            <a:ext cx="10837333" cy="5842000"/>
           </a:xfrm>
           <a:prstGeom prst="rect">
             <a:avLst/>
@@ -3654,7 +3438,7 @@
         </p:nvSpPr>
         <p:spPr>
           <a:xfrm>
-            <a:off x="4508992" y="3189768"/>
+            <a:off x="5570227" y="2924944"/>
             <a:ext cx="381000" cy="380999"/>
           </a:xfrm>
           <a:prstGeom prst="ellipse">
@@ -3732,7 +3516,7 @@
 </p:sld>
 </file>
 
-<file path=ppt/slides/slide12.xml><?xml version="1.0" encoding="utf-8"?>
+<file path=ppt/slides/slide11.xml><?xml version="1.0" encoding="utf-8"?>
 <p:sld xmlns:a="http://schemas.openxmlformats.org/drawingml/2006/main" xmlns:r="http://schemas.openxmlformats.org/officeDocument/2006/relationships" xmlns:p="http://schemas.openxmlformats.org/presentationml/2006/main">
   <p:cSld>
     <p:spTree>
@@ -3777,8 +3561,8 @@
         </p:blipFill>
         <p:spPr>
           <a:xfrm>
-            <a:off x="381000" y="508000"/>
-            <a:ext cx="8128000" cy="5842000"/>
+            <a:off x="508000" y="507999"/>
+            <a:ext cx="10837333" cy="5842000"/>
           </a:xfrm>
           <a:prstGeom prst="rect">
             <a:avLst/>
@@ -3877,7 +3661,7 @@
 </p:sld>
 </file>
 
-<file path=ppt/slides/slide13.xml><?xml version="1.0" encoding="utf-8"?>
+<file path=ppt/slides/slide12.xml><?xml version="1.0" encoding="utf-8"?>
 <p:sld xmlns:a="http://schemas.openxmlformats.org/drawingml/2006/main" xmlns:r="http://schemas.openxmlformats.org/officeDocument/2006/relationships" xmlns:p="http://schemas.openxmlformats.org/presentationml/2006/main">
   <p:cSld>
     <p:spTree>
@@ -3922,8 +3706,8 @@
         </p:blipFill>
         <p:spPr>
           <a:xfrm>
-            <a:off x="381000" y="508000"/>
-            <a:ext cx="8128000" cy="5842000"/>
+            <a:off x="508000" y="507999"/>
+            <a:ext cx="10837333" cy="5842000"/>
           </a:xfrm>
           <a:prstGeom prst="rect">
             <a:avLst/>
@@ -4092,7 +3876,7 @@
 </p:sld>
 </file>
 
-<file path=ppt/slides/slide14.xml><?xml version="1.0" encoding="utf-8"?>
+<file path=ppt/slides/slide13.xml><?xml version="1.0" encoding="utf-8"?>
 <p:sld xmlns:a="http://schemas.openxmlformats.org/drawingml/2006/main" xmlns:r="http://schemas.openxmlformats.org/officeDocument/2006/relationships" xmlns:p="http://schemas.openxmlformats.org/presentationml/2006/main">
   <p:cSld>
     <p:spTree>
@@ -4137,8 +3921,8 @@
         </p:blipFill>
         <p:spPr>
           <a:xfrm>
-            <a:off x="381000" y="508000"/>
-            <a:ext cx="8128000" cy="5842000"/>
+            <a:off x="508000" y="507999"/>
+            <a:ext cx="10837333" cy="5842000"/>
           </a:xfrm>
           <a:prstGeom prst="rect">
             <a:avLst/>
@@ -4307,7 +4091,7 @@
 </p:sld>
 </file>
 
-<file path=ppt/slides/slide15.xml><?xml version="1.0" encoding="utf-8"?>
+<file path=ppt/slides/slide14.xml><?xml version="1.0" encoding="utf-8"?>
 <p:sld xmlns:a="http://schemas.openxmlformats.org/drawingml/2006/main" xmlns:r="http://schemas.openxmlformats.org/officeDocument/2006/relationships" xmlns:p="http://schemas.openxmlformats.org/presentationml/2006/main">
   <p:cSld>
     <p:spTree>
@@ -4352,8 +4136,8 @@
         </p:blipFill>
         <p:spPr>
           <a:xfrm>
-            <a:off x="381000" y="508000"/>
-            <a:ext cx="8128000" cy="5842000"/>
+            <a:off x="508000" y="507999"/>
+            <a:ext cx="10837333" cy="5842000"/>
           </a:xfrm>
           <a:prstGeom prst="rect">
             <a:avLst/>
@@ -4452,7 +4236,7 @@
 </p:sld>
 </file>
 
-<file path=ppt/slides/slide16.xml><?xml version="1.0" encoding="utf-8"?>
+<file path=ppt/slides/slide15.xml><?xml version="1.0" encoding="utf-8"?>
 <p:sld xmlns:a="http://schemas.openxmlformats.org/drawingml/2006/main" xmlns:r="http://schemas.openxmlformats.org/officeDocument/2006/relationships" xmlns:p="http://schemas.openxmlformats.org/presentationml/2006/main">
   <p:cSld>
     <p:spTree>
@@ -4497,8 +4281,8 @@
         </p:blipFill>
         <p:spPr>
           <a:xfrm>
-            <a:off x="381000" y="508000"/>
-            <a:ext cx="8128000" cy="5842000"/>
+            <a:off x="508000" y="507999"/>
+            <a:ext cx="10837333" cy="5842000"/>
           </a:xfrm>
           <a:prstGeom prst="rect">
             <a:avLst/>
@@ -4597,7 +4381,7 @@
 </p:sld>
 </file>
 
-<file path=ppt/slides/slide17.xml><?xml version="1.0" encoding="utf-8"?>
+<file path=ppt/slides/slide16.xml><?xml version="1.0" encoding="utf-8"?>
 <p:sld xmlns:a="http://schemas.openxmlformats.org/drawingml/2006/main" xmlns:r="http://schemas.openxmlformats.org/officeDocument/2006/relationships" xmlns:p="http://schemas.openxmlformats.org/presentationml/2006/main">
   <p:cSld>
     <p:spTree>
@@ -4642,8 +4426,8 @@
         </p:blipFill>
         <p:spPr>
           <a:xfrm>
-            <a:off x="381000" y="508000"/>
-            <a:ext cx="8128000" cy="5842000"/>
+            <a:off x="508000" y="507999"/>
+            <a:ext cx="10837333" cy="5842000"/>
           </a:xfrm>
           <a:prstGeom prst="rect">
             <a:avLst/>
@@ -4742,7 +4526,7 @@
 </p:sld>
 </file>
 
-<file path=ppt/slides/slide18.xml><?xml version="1.0" encoding="utf-8"?>
+<file path=ppt/slides/slide17.xml><?xml version="1.0" encoding="utf-8"?>
 <p:sld xmlns:a="http://schemas.openxmlformats.org/drawingml/2006/main" xmlns:r="http://schemas.openxmlformats.org/officeDocument/2006/relationships" xmlns:p="http://schemas.openxmlformats.org/presentationml/2006/main">
   <p:cSld>
     <p:spTree>
@@ -4787,8 +4571,8 @@
         </p:blipFill>
         <p:spPr>
           <a:xfrm>
-            <a:off x="381000" y="508000"/>
-            <a:ext cx="8128000" cy="5842000"/>
+            <a:off x="508000" y="507999"/>
+            <a:ext cx="10837333" cy="5842000"/>
           </a:xfrm>
           <a:prstGeom prst="rect">
             <a:avLst/>
@@ -4935,8 +4719,8 @@
         </p:blipFill>
         <p:spPr>
           <a:xfrm>
-            <a:off x="381000" y="508000"/>
-            <a:ext cx="8128000" cy="5842000"/>
+            <a:off x="508000" y="507999"/>
+            <a:ext cx="10837333" cy="5842000"/>
           </a:xfrm>
           <a:prstGeom prst="rect">
             <a:avLst/>
@@ -5080,8 +4864,8 @@
         </p:blipFill>
         <p:spPr>
           <a:xfrm>
-            <a:off x="381000" y="508000"/>
-            <a:ext cx="8128000" cy="5842000"/>
+            <a:off x="508000" y="507999"/>
+            <a:ext cx="10837333" cy="5842000"/>
           </a:xfrm>
           <a:prstGeom prst="rect">
             <a:avLst/>
@@ -5225,8 +5009,8 @@
         </p:blipFill>
         <p:spPr>
           <a:xfrm>
-            <a:off x="381000" y="508000"/>
-            <a:ext cx="8128000" cy="5842000"/>
+            <a:off x="508000" y="507999"/>
+            <a:ext cx="10837333" cy="5842000"/>
           </a:xfrm>
           <a:prstGeom prst="rect">
             <a:avLst/>
@@ -5370,8 +5154,8 @@
         </p:blipFill>
         <p:spPr>
           <a:xfrm>
-            <a:off x="381000" y="508000"/>
-            <a:ext cx="8128000" cy="5842000"/>
+            <a:off x="508000" y="507999"/>
+            <a:ext cx="10837333" cy="5842000"/>
           </a:xfrm>
           <a:prstGeom prst="rect">
             <a:avLst/>
@@ -5392,7 +5176,7 @@
         </p:nvSpPr>
         <p:spPr>
           <a:xfrm>
-            <a:off x="4617287" y="2795969"/>
+            <a:off x="4439816" y="1412776"/>
             <a:ext cx="381000" cy="381000"/>
           </a:xfrm>
           <a:prstGeom prst="ellipse">
@@ -5515,8 +5299,8 @@
         </p:blipFill>
         <p:spPr>
           <a:xfrm>
-            <a:off x="381000" y="508000"/>
-            <a:ext cx="8128000" cy="5842000"/>
+            <a:off x="508000" y="507999"/>
+            <a:ext cx="10837333" cy="5842000"/>
           </a:xfrm>
           <a:prstGeom prst="rect">
             <a:avLst/>
@@ -5537,7 +5321,7 @@
         </p:nvSpPr>
         <p:spPr>
           <a:xfrm>
-            <a:off x="1821318" y="4676357"/>
+            <a:off x="1847528" y="4293096"/>
             <a:ext cx="381000" cy="381000"/>
           </a:xfrm>
           <a:prstGeom prst="ellipse">
@@ -5616,478 +5400,6 @@
 </file>
 
 <file path=ppt/slides/slide7.xml><?xml version="1.0" encoding="utf-8"?>
-<p:sld xmlns:a="http://schemas.openxmlformats.org/drawingml/2006/main" xmlns:r="http://schemas.openxmlformats.org/officeDocument/2006/relationships" xmlns:p="http://schemas.openxmlformats.org/presentationml/2006/main">
-  <p:cSld>
-    <p:spTree>
-      <p:nvGrpSpPr>
-        <p:cNvPr id="1" name=""/>
-        <p:cNvGrpSpPr/>
-        <p:nvPr/>
-      </p:nvGrpSpPr>
-      <p:grpSpPr>
-        <a:xfrm>
-          <a:off x="0" y="0"/>
-          <a:ext cx="0" cy="0"/>
-          <a:chOff x="0" y="0"/>
-          <a:chExt cx="0" cy="0"/>
-        </a:xfrm>
-      </p:grpSpPr>
-      <p:pic>
-        <p:nvPicPr>
-          <p:cNvPr id="3" name="圖片 2">
-            <a:extLst>
-              <a:ext uri="{FF2B5EF4-FFF2-40B4-BE49-F238E27FC236}">
-                <a16:creationId xmlns:a16="http://schemas.microsoft.com/office/drawing/2014/main" id="{2B5742DF-FEF1-462D-9BAE-7689733F1497}"/>
-              </a:ext>
-            </a:extLst>
-          </p:cNvPr>
-          <p:cNvPicPr>
-            <a:picLocks/>
-          </p:cNvPicPr>
-          <p:nvPr/>
-        </p:nvPicPr>
-        <p:blipFill>
-          <a:blip r:embed="rId2">
-            <a:extLst>
-              <a:ext uri="{28A0092B-C50C-407E-A947-70E740481C1C}">
-                <a14:useLocalDpi xmlns:a14="http://schemas.microsoft.com/office/drawing/2010/main" val="0"/>
-              </a:ext>
-            </a:extLst>
-          </a:blip>
-          <a:stretch>
-            <a:fillRect/>
-          </a:stretch>
-        </p:blipFill>
-        <p:spPr>
-          <a:xfrm>
-            <a:off x="381000" y="508000"/>
-            <a:ext cx="8128000" cy="5842000"/>
-          </a:xfrm>
-          <a:prstGeom prst="rect">
-            <a:avLst/>
-          </a:prstGeom>
-        </p:spPr>
-      </p:pic>
-      <p:sp>
-        <p:nvSpPr>
-          <p:cNvPr id="2" name="橢圓 1">
-            <a:extLst>
-              <a:ext uri="{FF2B5EF4-FFF2-40B4-BE49-F238E27FC236}">
-                <a16:creationId xmlns:a16="http://schemas.microsoft.com/office/drawing/2014/main" id="{8D92E1BA-E461-4250-9D5D-7B81C5F698F3}"/>
-              </a:ext>
-            </a:extLst>
-          </p:cNvPr>
-          <p:cNvSpPr/>
-          <p:nvPr/>
-        </p:nvSpPr>
-        <p:spPr>
-          <a:xfrm>
-            <a:off x="1877415" y="3284984"/>
-            <a:ext cx="381000" cy="381000"/>
-          </a:xfrm>
-          <a:prstGeom prst="ellipse">
-            <a:avLst/>
-          </a:prstGeom>
-          <a:solidFill>
-            <a:srgbClr val="9400D3">
-              <a:alpha val="30000"/>
-            </a:srgbClr>
-          </a:solidFill>
-          <a:ln w="25400" cmpd="sng">
-            <a:solidFill>
-              <a:srgbClr val="9400D3"/>
-            </a:solidFill>
-            <a:tailEnd type="triangle" w="med" len="med"/>
-          </a:ln>
-          <a:effectLst>
-            <a:outerShdw blurRad="63500" sx="102000" sy="102000" algn="ctr">
-              <a:prstClr val="black">
-                <a:alpha val="40000"/>
-              </a:prstClr>
-            </a:outerShdw>
-          </a:effectLst>
-        </p:spPr>
-        <p:style>
-          <a:lnRef idx="1">
-            <a:schemeClr val="accent1"/>
-          </a:lnRef>
-          <a:fillRef idx="0">
-            <a:schemeClr val="accent1"/>
-          </a:fillRef>
-          <a:effectRef idx="0">
-            <a:schemeClr val="accent1"/>
-          </a:effectRef>
-          <a:fontRef idx="minor">
-            <a:schemeClr val="tx1"/>
-          </a:fontRef>
-        </p:style>
-        <p:txBody>
-          <a:bodyPr rot="0" spcFirstLastPara="0" vertOverflow="overflow" horzOverflow="overflow" vert="horz" wrap="square" lIns="0" tIns="0" rIns="0" bIns="0" numCol="1" spcCol="0" rtlCol="0" fromWordArt="0" anchor="t" anchorCtr="0" forceAA="0" compatLnSpc="1">
-            <a:prstTxWarp prst="textNoShape">
-              <a:avLst/>
-            </a:prstTxWarp>
-            <a:noAutofit/>
-          </a:bodyPr>
-          <a:lstStyle/>
-          <a:p>
-            <a:pPr algn="l"/>
-            <a:r>
-              <a:rPr lang="en-US" altLang="zh-TW">
-                <a:solidFill>
-                  <a:srgbClr val="FFFFFF"/>
-                </a:solidFill>
-              </a:rPr>
-              <a:t>8</a:t>
-            </a:r>
-            <a:endParaRPr lang="zh-TW" altLang="en-US">
-              <a:solidFill>
-                <a:srgbClr val="FFFFFF"/>
-              </a:solidFill>
-            </a:endParaRPr>
-          </a:p>
-        </p:txBody>
-      </p:sp>
-      <p:sp>
-        <p:nvSpPr>
-          <p:cNvPr id="4" name="橢圓 3">
-            <a:extLst>
-              <a:ext uri="{FF2B5EF4-FFF2-40B4-BE49-F238E27FC236}">
-                <a16:creationId xmlns:a16="http://schemas.microsoft.com/office/drawing/2014/main" id="{A12C9EFB-26BD-4E3F-AF13-474C2A8A3B7B}"/>
-              </a:ext>
-            </a:extLst>
-          </p:cNvPr>
-          <p:cNvSpPr/>
-          <p:nvPr/>
-        </p:nvSpPr>
-        <p:spPr>
-          <a:xfrm>
-            <a:off x="4583832" y="5445224"/>
-            <a:ext cx="381000" cy="381000"/>
-          </a:xfrm>
-          <a:prstGeom prst="ellipse">
-            <a:avLst/>
-          </a:prstGeom>
-          <a:solidFill>
-            <a:srgbClr val="9400D3">
-              <a:alpha val="30000"/>
-            </a:srgbClr>
-          </a:solidFill>
-          <a:ln w="25400" cmpd="sng">
-            <a:solidFill>
-              <a:srgbClr val="9400D3"/>
-            </a:solidFill>
-            <a:tailEnd type="triangle" w="med" len="med"/>
-          </a:ln>
-          <a:effectLst>
-            <a:outerShdw blurRad="63500" sx="102000" sy="102000" algn="ctr">
-              <a:prstClr val="black">
-                <a:alpha val="40000"/>
-              </a:prstClr>
-            </a:outerShdw>
-          </a:effectLst>
-        </p:spPr>
-        <p:style>
-          <a:lnRef idx="1">
-            <a:schemeClr val="accent1"/>
-          </a:lnRef>
-          <a:fillRef idx="0">
-            <a:schemeClr val="accent1"/>
-          </a:fillRef>
-          <a:effectRef idx="0">
-            <a:schemeClr val="accent1"/>
-          </a:effectRef>
-          <a:fontRef idx="minor">
-            <a:schemeClr val="tx1"/>
-          </a:fontRef>
-        </p:style>
-        <p:txBody>
-          <a:bodyPr rot="0" spcFirstLastPara="0" vertOverflow="overflow" horzOverflow="overflow" vert="horz" wrap="square" lIns="0" tIns="0" rIns="0" bIns="0" numCol="1" spcCol="0" rtlCol="0" fromWordArt="0" anchor="t" anchorCtr="0" forceAA="0" compatLnSpc="1">
-            <a:prstTxWarp prst="textNoShape">
-              <a:avLst/>
-            </a:prstTxWarp>
-            <a:noAutofit/>
-          </a:bodyPr>
-          <a:lstStyle/>
-          <a:p>
-            <a:pPr algn="l"/>
-            <a:r>
-              <a:rPr lang="en-US" altLang="zh-TW">
-                <a:solidFill>
-                  <a:srgbClr val="FFFFFF"/>
-                </a:solidFill>
-              </a:rPr>
-              <a:t>9</a:t>
-            </a:r>
-            <a:endParaRPr lang="zh-TW" altLang="en-US">
-              <a:solidFill>
-                <a:srgbClr val="FFFFFF"/>
-              </a:solidFill>
-            </a:endParaRPr>
-          </a:p>
-        </p:txBody>
-      </p:sp>
-      <p:sp>
-        <p:nvSpPr>
-          <p:cNvPr id="6" name="箭號: 向左 5">
-            <a:extLst>
-              <a:ext uri="{FF2B5EF4-FFF2-40B4-BE49-F238E27FC236}">
-                <a16:creationId xmlns:a16="http://schemas.microsoft.com/office/drawing/2014/main" id="{A3CE2D4B-96F3-4D3D-AAD3-A9C5F405F38F}"/>
-              </a:ext>
-            </a:extLst>
-          </p:cNvPr>
-          <p:cNvSpPr/>
-          <p:nvPr/>
-        </p:nvSpPr>
-        <p:spPr>
-          <a:xfrm rot="11273595">
-            <a:off x="1199621" y="2865893"/>
-            <a:ext cx="635000" cy="495300"/>
-          </a:xfrm>
-          <a:prstGeom prst="leftArrow">
-            <a:avLst/>
-          </a:prstGeom>
-          <a:solidFill>
-            <a:srgbClr val="9400D3">
-              <a:alpha val="30000"/>
-            </a:srgbClr>
-          </a:solidFill>
-          <a:ln w="25400" cmpd="sng">
-            <a:solidFill>
-              <a:srgbClr val="9400D3"/>
-            </a:solidFill>
-            <a:tailEnd type="triangle" w="med" len="med"/>
-          </a:ln>
-          <a:effectLst>
-            <a:outerShdw blurRad="63500" sx="102000" sy="102000" algn="ctr">
-              <a:prstClr val="black">
-                <a:alpha val="40000"/>
-              </a:prstClr>
-            </a:outerShdw>
-          </a:effectLst>
-        </p:spPr>
-        <p:style>
-          <a:lnRef idx="1">
-            <a:schemeClr val="accent1"/>
-          </a:lnRef>
-          <a:fillRef idx="0">
-            <a:schemeClr val="accent1"/>
-          </a:fillRef>
-          <a:effectRef idx="0">
-            <a:schemeClr val="accent1"/>
-          </a:effectRef>
-          <a:fontRef idx="minor">
-            <a:schemeClr val="tx1"/>
-          </a:fontRef>
-        </p:style>
-        <p:txBody>
-          <a:bodyPr rot="0" spcFirstLastPara="0" vertOverflow="overflow" horzOverflow="overflow" vert="horz" wrap="square" lIns="0" tIns="0" rIns="0" bIns="0" numCol="1" spcCol="0" rtlCol="0" fromWordArt="0" anchor="t" anchorCtr="0" forceAA="0" compatLnSpc="1">
-            <a:prstTxWarp prst="textNoShape">
-              <a:avLst/>
-            </a:prstTxWarp>
-            <a:normAutofit lnSpcReduction="10000"/>
-          </a:bodyPr>
-          <a:lstStyle/>
-          <a:p>
-            <a:pPr algn="l"/>
-            <a:endParaRPr lang="zh-TW" altLang="en-US">
-              <a:solidFill>
-                <a:srgbClr val="FFFFFF"/>
-              </a:solidFill>
-            </a:endParaRPr>
-          </a:p>
-        </p:txBody>
-      </p:sp>
-      <p:cxnSp>
-        <p:nvCxnSpPr>
-          <p:cNvPr id="10" name="直線單箭頭接點 9">
-            <a:extLst>
-              <a:ext uri="{FF2B5EF4-FFF2-40B4-BE49-F238E27FC236}">
-                <a16:creationId xmlns:a16="http://schemas.microsoft.com/office/drawing/2014/main" id="{668ADED0-57ED-430A-879C-7DA0A5953DC1}"/>
-              </a:ext>
-            </a:extLst>
-          </p:cNvPr>
-          <p:cNvCxnSpPr/>
-          <p:nvPr/>
-        </p:nvCxnSpPr>
-        <p:spPr>
-          <a:xfrm flipH="1">
-            <a:off x="4079776" y="3402449"/>
-            <a:ext cx="1728192" cy="0"/>
-          </a:xfrm>
-          <a:prstGeom prst="straightConnector1">
-            <a:avLst/>
-          </a:prstGeom>
-          <a:ln w="25400">
-            <a:solidFill>
-              <a:srgbClr val="6495ED"/>
-            </a:solidFill>
-            <a:tailEnd type="triangle"/>
-          </a:ln>
-        </p:spPr>
-        <p:style>
-          <a:lnRef idx="1">
-            <a:schemeClr val="accent1"/>
-          </a:lnRef>
-          <a:fillRef idx="0">
-            <a:schemeClr val="accent1"/>
-          </a:fillRef>
-          <a:effectRef idx="0">
-            <a:schemeClr val="accent1"/>
-          </a:effectRef>
-          <a:fontRef idx="minor">
-            <a:schemeClr val="tx1"/>
-          </a:fontRef>
-        </p:style>
-      </p:cxnSp>
-      <p:cxnSp>
-        <p:nvCxnSpPr>
-          <p:cNvPr id="12" name="直線單箭頭接點 11">
-            <a:extLst>
-              <a:ext uri="{FF2B5EF4-FFF2-40B4-BE49-F238E27FC236}">
-                <a16:creationId xmlns:a16="http://schemas.microsoft.com/office/drawing/2014/main" id="{B0122D07-D02C-4962-B83E-C3221AEAE281}"/>
-              </a:ext>
-            </a:extLst>
-          </p:cNvPr>
-          <p:cNvCxnSpPr/>
-          <p:nvPr/>
-        </p:nvCxnSpPr>
-        <p:spPr>
-          <a:xfrm flipH="1">
-            <a:off x="4445000" y="3789040"/>
-            <a:ext cx="1506984" cy="936104"/>
-          </a:xfrm>
-          <a:prstGeom prst="straightConnector1">
-            <a:avLst/>
-          </a:prstGeom>
-          <a:ln w="25400">
-            <a:solidFill>
-              <a:srgbClr val="6495ED"/>
-            </a:solidFill>
-            <a:tailEnd type="triangle"/>
-          </a:ln>
-        </p:spPr>
-        <p:style>
-          <a:lnRef idx="1">
-            <a:schemeClr val="accent1"/>
-          </a:lnRef>
-          <a:fillRef idx="0">
-            <a:schemeClr val="accent1"/>
-          </a:fillRef>
-          <a:effectRef idx="0">
-            <a:schemeClr val="accent1"/>
-          </a:effectRef>
-          <a:fontRef idx="minor">
-            <a:schemeClr val="tx1"/>
-          </a:fontRef>
-        </p:style>
-      </p:cxnSp>
-      <p:sp>
-        <p:nvSpPr>
-          <p:cNvPr id="13" name="文字方塊 12">
-            <a:extLst>
-              <a:ext uri="{FF2B5EF4-FFF2-40B4-BE49-F238E27FC236}">
-                <a16:creationId xmlns:a16="http://schemas.microsoft.com/office/drawing/2014/main" id="{68C25A4B-B3F3-47F1-B0F9-A56F8CD82577}"/>
-              </a:ext>
-            </a:extLst>
-          </p:cNvPr>
-          <p:cNvSpPr txBox="1"/>
-          <p:nvPr/>
-        </p:nvSpPr>
-        <p:spPr>
-          <a:xfrm>
-            <a:off x="6096000" y="3365902"/>
-            <a:ext cx="2816477" cy="600164"/>
-          </a:xfrm>
-          <a:prstGeom prst="rect">
-            <a:avLst/>
-          </a:prstGeom>
-          <a:solidFill>
-            <a:srgbClr val="6495ED">
-              <a:alpha val="30000"/>
-            </a:srgbClr>
-          </a:solidFill>
-          <a:ln w="25400" cmpd="sng">
-            <a:solidFill>
-              <a:srgbClr val="6495ED"/>
-            </a:solidFill>
-            <a:tailEnd type="triangle" w="med" len="med"/>
-          </a:ln>
-          <a:effectLst>
-            <a:outerShdw blurRad="63500" sx="102000" sy="102000" algn="ctr">
-              <a:prstClr val="black">
-                <a:alpha val="40000"/>
-              </a:prstClr>
-            </a:outerShdw>
-          </a:effectLst>
-        </p:spPr>
-        <p:style>
-          <a:lnRef idx="1">
-            <a:schemeClr val="accent1"/>
-          </a:lnRef>
-          <a:fillRef idx="0">
-            <a:schemeClr val="accent1"/>
-          </a:fillRef>
-          <a:effectRef idx="0">
-            <a:schemeClr val="accent1"/>
-          </a:effectRef>
-          <a:fontRef idx="minor">
-            <a:schemeClr val="tx1"/>
-          </a:fontRef>
-        </p:style>
-        <p:txBody>
-          <a:bodyPr rot="0" spcFirstLastPara="0" vertOverflow="overflow" horzOverflow="overflow" vert="horz" wrap="none" lIns="0" tIns="0" rIns="0" bIns="45720" numCol="1" spcCol="0" rtlCol="0" fromWordArt="0" anchor="t" anchorCtr="0" forceAA="0" compatLnSpc="1">
-            <a:prstTxWarp prst="textNoShape">
-              <a:avLst/>
-            </a:prstTxWarp>
-            <a:spAutoFit/>
-          </a:bodyPr>
-          <a:lstStyle/>
-          <a:p>
-            <a:r>
-              <a:rPr lang="zh-TW" altLang="en-US">
-                <a:solidFill>
-                  <a:srgbClr val="FFFFFF"/>
-                </a:solidFill>
-              </a:rPr>
-              <a:t>選擇哪個</a:t>
-            </a:r>
-            <a:r>
-              <a:rPr lang="en-US" altLang="zh-TW">
-                <a:solidFill>
-                  <a:srgbClr val="FFFFFF"/>
-                </a:solidFill>
-              </a:rPr>
-              <a:t>REPO</a:t>
-            </a:r>
-            <a:r>
-              <a:rPr lang="zh-TW" altLang="en-US">
-                <a:solidFill>
-                  <a:srgbClr val="FFFFFF"/>
-                </a:solidFill>
-              </a:rPr>
-              <a:t>和複製到哪裡</a:t>
-            </a:r>
-          </a:p>
-          <a:p>
-            <a:pPr algn="l"/>
-            <a:endParaRPr lang="zh-TW" altLang="en-US"/>
-          </a:p>
-        </p:txBody>
-      </p:sp>
-    </p:spTree>
-    <p:extLst>
-      <p:ext uri="{BB962C8B-B14F-4D97-AF65-F5344CB8AC3E}">
-        <p14:creationId xmlns:p14="http://schemas.microsoft.com/office/powerpoint/2010/main" val="3049215608"/>
-      </p:ext>
-    </p:extLst>
-  </p:cSld>
-  <p:clrMapOvr>
-    <a:masterClrMapping/>
-  </p:clrMapOvr>
-</p:sld>
-</file>
-
-<file path=ppt/slides/slide8.xml><?xml version="1.0" encoding="utf-8"?>
 <p:sld xmlns:a="http://schemas.openxmlformats.org/drawingml/2006/main" xmlns:r="http://schemas.openxmlformats.org/officeDocument/2006/relationships" xmlns:p="http://schemas.openxmlformats.org/presentationml/2006/main">
   <p:cSld>
     <p:spTree>
@@ -6132,8 +5444,8 @@
         </p:blipFill>
         <p:spPr>
           <a:xfrm>
-            <a:off x="381000" y="508000"/>
-            <a:ext cx="8128000" cy="5842000"/>
+            <a:off x="508000" y="507999"/>
+            <a:ext cx="10837333" cy="5842000"/>
           </a:xfrm>
           <a:prstGeom prst="rect">
             <a:avLst/>
@@ -6154,7 +5466,7 @@
         </p:nvSpPr>
         <p:spPr>
           <a:xfrm>
-            <a:off x="4831201" y="3966066"/>
+            <a:off x="5021701" y="3833115"/>
             <a:ext cx="381000" cy="381000"/>
           </a:xfrm>
           <a:prstGeom prst="ellipse">
@@ -6233,7 +5545,7 @@
         </p:nvSpPr>
         <p:spPr>
           <a:xfrm>
-            <a:off x="4445000" y="5506779"/>
+            <a:off x="5617468" y="5229200"/>
             <a:ext cx="381000" cy="381000"/>
           </a:xfrm>
           <a:prstGeom prst="ellipse">
@@ -6312,7 +5624,7 @@
         </p:nvSpPr>
         <p:spPr>
           <a:xfrm>
-            <a:off x="4325545" y="3046104"/>
+            <a:off x="5212201" y="2977617"/>
             <a:ext cx="381000" cy="381000"/>
           </a:xfrm>
           <a:prstGeom prst="ellipse">
@@ -6568,7 +5880,7 @@
         </p:nvSpPr>
         <p:spPr>
           <a:xfrm>
-            <a:off x="1877415" y="3284984"/>
+            <a:off x="1920892" y="3021449"/>
             <a:ext cx="381000" cy="381000"/>
           </a:xfrm>
           <a:prstGeom prst="ellipse">
@@ -6717,7 +6029,7 @@
 </p:sld>
 </file>
 
-<file path=ppt/slides/slide9.xml><?xml version="1.0" encoding="utf-8"?>
+<file path=ppt/slides/slide8.xml><?xml version="1.0" encoding="utf-8"?>
 <p:sld xmlns:a="http://schemas.openxmlformats.org/drawingml/2006/main" xmlns:r="http://schemas.openxmlformats.org/officeDocument/2006/relationships" xmlns:p="http://schemas.openxmlformats.org/presentationml/2006/main">
   <p:cSld>
     <p:spTree>
@@ -6762,8 +6074,8 @@
         </p:blipFill>
         <p:spPr>
           <a:xfrm>
-            <a:off x="381000" y="508000"/>
-            <a:ext cx="8128000" cy="5842000"/>
+            <a:off x="508000" y="507999"/>
+            <a:ext cx="10837333" cy="5842000"/>
           </a:xfrm>
           <a:prstGeom prst="rect">
             <a:avLst/>
@@ -6784,8 +6096,8 @@
         </p:nvSpPr>
         <p:spPr>
           <a:xfrm>
-            <a:off x="3287688" y="2492896"/>
-            <a:ext cx="4032448" cy="2520280"/>
+            <a:off x="4367808" y="2420888"/>
+            <a:ext cx="5256584" cy="2520280"/>
           </a:xfrm>
           <a:prstGeom prst="rect">
             <a:avLst/>
@@ -6852,7 +6164,7 @@
         </p:nvSpPr>
         <p:spPr>
           <a:xfrm>
-            <a:off x="4007768" y="5373216"/>
+            <a:off x="9840416" y="3368745"/>
             <a:ext cx="809517" cy="323165"/>
           </a:xfrm>
           <a:prstGeom prst="rect">
@@ -6920,6 +6232,221 @@
     <p:extLst>
       <p:ext uri="{BB962C8B-B14F-4D97-AF65-F5344CB8AC3E}">
         <p14:creationId xmlns:p14="http://schemas.microsoft.com/office/powerpoint/2010/main" val="2362277521"/>
+      </p:ext>
+    </p:extLst>
+  </p:cSld>
+  <p:clrMapOvr>
+    <a:masterClrMapping/>
+  </p:clrMapOvr>
+</p:sld>
+</file>
+
+<file path=ppt/slides/slide9.xml><?xml version="1.0" encoding="utf-8"?>
+<p:sld xmlns:a="http://schemas.openxmlformats.org/drawingml/2006/main" xmlns:r="http://schemas.openxmlformats.org/officeDocument/2006/relationships" xmlns:p="http://schemas.openxmlformats.org/presentationml/2006/main">
+  <p:cSld>
+    <p:spTree>
+      <p:nvGrpSpPr>
+        <p:cNvPr id="1" name=""/>
+        <p:cNvGrpSpPr/>
+        <p:nvPr/>
+      </p:nvGrpSpPr>
+      <p:grpSpPr>
+        <a:xfrm>
+          <a:off x="0" y="0"/>
+          <a:ext cx="0" cy="0"/>
+          <a:chOff x="0" y="0"/>
+          <a:chExt cx="0" cy="0"/>
+        </a:xfrm>
+      </p:grpSpPr>
+      <p:pic>
+        <p:nvPicPr>
+          <p:cNvPr id="3" name="圖片 2">
+            <a:extLst>
+              <a:ext uri="{FF2B5EF4-FFF2-40B4-BE49-F238E27FC236}">
+                <a16:creationId xmlns:a16="http://schemas.microsoft.com/office/drawing/2014/main" id="{BE6B3635-B63B-497A-A458-CA1046133110}"/>
+              </a:ext>
+            </a:extLst>
+          </p:cNvPr>
+          <p:cNvPicPr>
+            <a:picLocks/>
+          </p:cNvPicPr>
+          <p:nvPr/>
+        </p:nvPicPr>
+        <p:blipFill>
+          <a:blip r:embed="rId2">
+            <a:extLst>
+              <a:ext uri="{28A0092B-C50C-407E-A947-70E740481C1C}">
+                <a14:useLocalDpi xmlns:a14="http://schemas.microsoft.com/office/drawing/2010/main" val="0"/>
+              </a:ext>
+            </a:extLst>
+          </a:blip>
+          <a:stretch>
+            <a:fillRect/>
+          </a:stretch>
+        </p:blipFill>
+        <p:spPr>
+          <a:xfrm>
+            <a:off x="508000" y="507999"/>
+            <a:ext cx="10837333" cy="5842000"/>
+          </a:xfrm>
+          <a:prstGeom prst="rect">
+            <a:avLst/>
+          </a:prstGeom>
+        </p:spPr>
+      </p:pic>
+      <p:sp>
+        <p:nvSpPr>
+          <p:cNvPr id="2" name="橢圓 1">
+            <a:extLst>
+              <a:ext uri="{FF2B5EF4-FFF2-40B4-BE49-F238E27FC236}">
+                <a16:creationId xmlns:a16="http://schemas.microsoft.com/office/drawing/2014/main" id="{44CF7C96-63B3-4F81-8F3D-69F4DDC8DD2C}"/>
+              </a:ext>
+            </a:extLst>
+          </p:cNvPr>
+          <p:cNvSpPr/>
+          <p:nvPr/>
+        </p:nvSpPr>
+        <p:spPr>
+          <a:xfrm>
+            <a:off x="4705891" y="2677830"/>
+            <a:ext cx="381000" cy="381000"/>
+          </a:xfrm>
+          <a:prstGeom prst="ellipse">
+            <a:avLst/>
+          </a:prstGeom>
+          <a:solidFill>
+            <a:srgbClr val="9400D3">
+              <a:alpha val="30000"/>
+            </a:srgbClr>
+          </a:solidFill>
+          <a:ln w="25400" cmpd="sng">
+            <a:solidFill>
+              <a:srgbClr val="9400D3"/>
+            </a:solidFill>
+            <a:tailEnd type="triangle" w="med" len="med"/>
+          </a:ln>
+          <a:effectLst>
+            <a:outerShdw blurRad="63500" sx="102000" sy="102000" algn="ctr">
+              <a:prstClr val="black">
+                <a:alpha val="40000"/>
+              </a:prstClr>
+            </a:outerShdw>
+          </a:effectLst>
+        </p:spPr>
+        <p:style>
+          <a:lnRef idx="1">
+            <a:schemeClr val="accent1"/>
+          </a:lnRef>
+          <a:fillRef idx="0">
+            <a:schemeClr val="accent1"/>
+          </a:fillRef>
+          <a:effectRef idx="0">
+            <a:schemeClr val="accent1"/>
+          </a:effectRef>
+          <a:fontRef idx="minor">
+            <a:schemeClr val="tx1"/>
+          </a:fontRef>
+        </p:style>
+        <p:txBody>
+          <a:bodyPr rot="0" spcFirstLastPara="0" vertOverflow="overflow" horzOverflow="overflow" vert="horz" wrap="square" lIns="0" tIns="0" rIns="0" bIns="0" numCol="1" spcCol="0" rtlCol="0" fromWordArt="0" anchor="t" anchorCtr="0" forceAA="0" compatLnSpc="1">
+            <a:prstTxWarp prst="textNoShape">
+              <a:avLst/>
+            </a:prstTxWarp>
+            <a:noAutofit/>
+          </a:bodyPr>
+          <a:lstStyle/>
+          <a:p>
+            <a:pPr algn="l"/>
+            <a:r>
+              <a:rPr lang="en-US" altLang="zh-TW">
+                <a:solidFill>
+                  <a:srgbClr val="FFFFFF"/>
+                </a:solidFill>
+              </a:rPr>
+              <a:t>12</a:t>
+            </a:r>
+            <a:endParaRPr lang="zh-TW" altLang="en-US">
+              <a:solidFill>
+                <a:srgbClr val="FFFFFF"/>
+              </a:solidFill>
+            </a:endParaRPr>
+          </a:p>
+        </p:txBody>
+      </p:sp>
+      <p:sp>
+        <p:nvSpPr>
+          <p:cNvPr id="4" name="文字方塊 3">
+            <a:extLst>
+              <a:ext uri="{FF2B5EF4-FFF2-40B4-BE49-F238E27FC236}">
+                <a16:creationId xmlns:a16="http://schemas.microsoft.com/office/drawing/2014/main" id="{E8306BA8-90EE-4671-BB02-8B4F9099B865}"/>
+              </a:ext>
+            </a:extLst>
+          </p:cNvPr>
+          <p:cNvSpPr txBox="1"/>
+          <p:nvPr/>
+        </p:nvSpPr>
+        <p:spPr>
+          <a:xfrm>
+            <a:off x="5735960" y="2132856"/>
+            <a:ext cx="923330" cy="323165"/>
+          </a:xfrm>
+          <a:prstGeom prst="rect">
+            <a:avLst/>
+          </a:prstGeom>
+          <a:solidFill>
+            <a:srgbClr val="6495ED">
+              <a:alpha val="30000"/>
+            </a:srgbClr>
+          </a:solidFill>
+          <a:ln w="25400" cmpd="sng">
+            <a:solidFill>
+              <a:srgbClr val="6495ED"/>
+            </a:solidFill>
+            <a:tailEnd type="triangle" w="med" len="med"/>
+          </a:ln>
+          <a:effectLst>
+            <a:outerShdw blurRad="63500" sx="102000" sy="102000" algn="ctr">
+              <a:prstClr val="black">
+                <a:alpha val="40000"/>
+              </a:prstClr>
+            </a:outerShdw>
+          </a:effectLst>
+        </p:spPr>
+        <p:style>
+          <a:lnRef idx="1">
+            <a:schemeClr val="accent1"/>
+          </a:lnRef>
+          <a:fillRef idx="0">
+            <a:schemeClr val="accent1"/>
+          </a:fillRef>
+          <a:effectRef idx="0">
+            <a:schemeClr val="accent1"/>
+          </a:effectRef>
+          <a:fontRef idx="minor">
+            <a:schemeClr val="tx1"/>
+          </a:fontRef>
+        </p:style>
+        <p:txBody>
+          <a:bodyPr rot="0" spcFirstLastPara="0" vertOverflow="overflow" horzOverflow="overflow" vert="horz" wrap="none" lIns="0" tIns="0" rIns="0" bIns="45720" numCol="1" spcCol="0" rtlCol="0" fromWordArt="0" anchor="t" anchorCtr="0" forceAA="0" compatLnSpc="1">
+            <a:prstTxWarp prst="textNoShape">
+              <a:avLst/>
+            </a:prstTxWarp>
+            <a:spAutoFit/>
+          </a:bodyPr>
+          <a:lstStyle/>
+          <a:p>
+            <a:pPr algn="l"/>
+            <a:r>
+              <a:rPr lang="zh-TW" altLang="en-US"/>
+              <a:t>預設位置</a:t>
+            </a:r>
+          </a:p>
+        </p:txBody>
+      </p:sp>
+    </p:spTree>
+    <p:extLst>
+      <p:ext uri="{BB962C8B-B14F-4D97-AF65-F5344CB8AC3E}">
+        <p14:creationId xmlns:p14="http://schemas.microsoft.com/office/powerpoint/2010/main" val="2928043181"/>
       </p:ext>
     </p:extLst>
   </p:cSld>
